--- a/Rate your Prof.pptx
+++ b/Rate your Prof.pptx
@@ -13,8 +13,9 @@
     <p:sldId id="261" r:id="rId7"/>
     <p:sldId id="262" r:id="rId8"/>
     <p:sldId id="263" r:id="rId9"/>
-    <p:sldId id="266" r:id="rId10"/>
-    <p:sldId id="264" r:id="rId11"/>
+    <p:sldId id="267" r:id="rId10"/>
+    <p:sldId id="266" r:id="rId11"/>
+    <p:sldId id="264" r:id="rId12"/>
   </p:sldIdLst>
   <p:sldSz cx="12192000" cy="6858000"/>
   <p:notesSz cx="6858000" cy="9144000"/>
@@ -113,6 +114,11 @@
       </a:defRPr>
     </a:lvl9pPr>
   </p:defaultTextStyle>
+  <p:extLst>
+    <p:ext uri="{EFAFB233-063F-42B5-8137-9DF3F51BA10A}">
+      <p15:sldGuideLst xmlns:p15="http://schemas.microsoft.com/office/powerpoint/2012/main"/>
+    </p:ext>
+  </p:extLst>
 </p:presentation>
 </file>
 
@@ -130,6 +136,132 @@
 
 <file path=ppt/changesInfos/changesInfo1.xml><?xml version="1.0" encoding="utf-8"?>
 <pc:chgInfo xmlns:a="http://schemas.openxmlformats.org/drawingml/2006/main" xmlns:r="http://schemas.openxmlformats.org/officeDocument/2006/relationships" xmlns:ac="http://schemas.microsoft.com/office/drawing/2013/main/command" xmlns:pc="http://schemas.microsoft.com/office/powerpoint/2013/main/command">
+  <pc:docChgLst>
+    <pc:chgData name="Richard Maasri" userId="4a4f9f44ac0faa05" providerId="LiveId" clId="{36A5D8F9-09E7-4869-AB0D-E6255B37476F}"/>
+    <pc:docChg chg="undo custSel addSld modSld">
+      <pc:chgData name="Richard Maasri" userId="4a4f9f44ac0faa05" providerId="LiveId" clId="{36A5D8F9-09E7-4869-AB0D-E6255B37476F}" dt="2020-08-13T13:16:54.741" v="172" actId="1076"/>
+      <pc:docMkLst>
+        <pc:docMk/>
+      </pc:docMkLst>
+      <pc:sldChg chg="modSp mod">
+        <pc:chgData name="Richard Maasri" userId="4a4f9f44ac0faa05" providerId="LiveId" clId="{36A5D8F9-09E7-4869-AB0D-E6255B37476F}" dt="2020-08-13T13:10:25.565" v="48" actId="20577"/>
+        <pc:sldMkLst>
+          <pc:docMk/>
+          <pc:sldMk cId="8293258" sldId="257"/>
+        </pc:sldMkLst>
+        <pc:spChg chg="mod">
+          <ac:chgData name="Richard Maasri" userId="4a4f9f44ac0faa05" providerId="LiveId" clId="{36A5D8F9-09E7-4869-AB0D-E6255B37476F}" dt="2020-08-13T13:10:25.565" v="48" actId="20577"/>
+          <ac:spMkLst>
+            <pc:docMk/>
+            <pc:sldMk cId="8293258" sldId="257"/>
+            <ac:spMk id="3" creationId="{E02EAD4A-1E79-4DF7-9170-54E2C3A0D2E8}"/>
+          </ac:spMkLst>
+        </pc:spChg>
+      </pc:sldChg>
+      <pc:sldChg chg="addSp delSp modSp mod">
+        <pc:chgData name="Richard Maasri" userId="4a4f9f44ac0faa05" providerId="LiveId" clId="{36A5D8F9-09E7-4869-AB0D-E6255B37476F}" dt="2020-08-13T13:16:54.741" v="172" actId="1076"/>
+        <pc:sldMkLst>
+          <pc:docMk/>
+          <pc:sldMk cId="1820316346" sldId="260"/>
+        </pc:sldMkLst>
+        <pc:spChg chg="mod">
+          <ac:chgData name="Richard Maasri" userId="4a4f9f44ac0faa05" providerId="LiveId" clId="{36A5D8F9-09E7-4869-AB0D-E6255B37476F}" dt="2020-08-13T13:16:29.998" v="164" actId="14100"/>
+          <ac:spMkLst>
+            <pc:docMk/>
+            <pc:sldMk cId="1820316346" sldId="260"/>
+            <ac:spMk id="10" creationId="{671BD105-E78C-40E0-9E1B-1635A51CFC45}"/>
+          </ac:spMkLst>
+        </pc:spChg>
+        <pc:spChg chg="mod">
+          <ac:chgData name="Richard Maasri" userId="4a4f9f44ac0faa05" providerId="LiveId" clId="{36A5D8F9-09E7-4869-AB0D-E6255B37476F}" dt="2020-08-13T13:16:54.741" v="172" actId="1076"/>
+          <ac:spMkLst>
+            <pc:docMk/>
+            <pc:sldMk cId="1820316346" sldId="260"/>
+            <ac:spMk id="11" creationId="{2EAFABC8-B668-407D-8419-507C0B973A84}"/>
+          </ac:spMkLst>
+        </pc:spChg>
+        <pc:picChg chg="add mod">
+          <ac:chgData name="Richard Maasri" userId="4a4f9f44ac0faa05" providerId="LiveId" clId="{36A5D8F9-09E7-4869-AB0D-E6255B37476F}" dt="2020-08-13T13:16:52.179" v="171" actId="1076"/>
+          <ac:picMkLst>
+            <pc:docMk/>
+            <pc:sldMk cId="1820316346" sldId="260"/>
+            <ac:picMk id="4" creationId="{C6A49F1D-C8FE-40D6-9C78-F3B8EB0B2CD1}"/>
+          </ac:picMkLst>
+        </pc:picChg>
+        <pc:picChg chg="del">
+          <ac:chgData name="Richard Maasri" userId="4a4f9f44ac0faa05" providerId="LiveId" clId="{36A5D8F9-09E7-4869-AB0D-E6255B37476F}" dt="2020-08-13T13:16:42.246" v="165" actId="478"/>
+          <ac:picMkLst>
+            <pc:docMk/>
+            <pc:sldMk cId="1820316346" sldId="260"/>
+            <ac:picMk id="5" creationId="{815CEEAB-B68F-4699-89D3-280D7AF4D70F}"/>
+          </ac:picMkLst>
+        </pc:picChg>
+      </pc:sldChg>
+      <pc:sldChg chg="addSp delSp modSp new mod">
+        <pc:chgData name="Richard Maasri" userId="4a4f9f44ac0faa05" providerId="LiveId" clId="{36A5D8F9-09E7-4869-AB0D-E6255B37476F}" dt="2020-08-13T13:15:39.640" v="123" actId="1076"/>
+        <pc:sldMkLst>
+          <pc:docMk/>
+          <pc:sldMk cId="777123265" sldId="267"/>
+        </pc:sldMkLst>
+        <pc:spChg chg="mod">
+          <ac:chgData name="Richard Maasri" userId="4a4f9f44ac0faa05" providerId="LiveId" clId="{36A5D8F9-09E7-4869-AB0D-E6255B37476F}" dt="2020-08-13T13:11:59.887" v="109" actId="20577"/>
+          <ac:spMkLst>
+            <pc:docMk/>
+            <pc:sldMk cId="777123265" sldId="267"/>
+            <ac:spMk id="2" creationId="{C3C2C53C-8824-43C9-9ECB-E6A0EA0FEBF2}"/>
+          </ac:spMkLst>
+        </pc:spChg>
+        <pc:spChg chg="del">
+          <ac:chgData name="Richard Maasri" userId="4a4f9f44ac0faa05" providerId="LiveId" clId="{36A5D8F9-09E7-4869-AB0D-E6255B37476F}" dt="2020-08-13T13:11:44.353" v="50" actId="22"/>
+          <ac:spMkLst>
+            <pc:docMk/>
+            <pc:sldMk cId="777123265" sldId="267"/>
+            <ac:spMk id="3" creationId="{42FDA404-DB72-4E36-97C5-DDC55326CFF3}"/>
+          </ac:spMkLst>
+        </pc:spChg>
+        <pc:spChg chg="add mod">
+          <ac:chgData name="Richard Maasri" userId="4a4f9f44ac0faa05" providerId="LiveId" clId="{36A5D8F9-09E7-4869-AB0D-E6255B37476F}" dt="2020-08-13T13:15:30.951" v="121" actId="1076"/>
+          <ac:spMkLst>
+            <pc:docMk/>
+            <pc:sldMk cId="777123265" sldId="267"/>
+            <ac:spMk id="11" creationId="{D4BB37B7-34CF-48F1-9BDF-CB2CAADA8E57}"/>
+          </ac:spMkLst>
+        </pc:spChg>
+        <pc:spChg chg="add mod">
+          <ac:chgData name="Richard Maasri" userId="4a4f9f44ac0faa05" providerId="LiveId" clId="{36A5D8F9-09E7-4869-AB0D-E6255B37476F}" dt="2020-08-13T13:15:39.640" v="123" actId="1076"/>
+          <ac:spMkLst>
+            <pc:docMk/>
+            <pc:sldMk cId="777123265" sldId="267"/>
+            <ac:spMk id="13" creationId="{B8457B90-9B84-4E36-BAC7-8DCC6FE15614}"/>
+          </ac:spMkLst>
+        </pc:spChg>
+        <pc:picChg chg="add mod ord">
+          <ac:chgData name="Richard Maasri" userId="4a4f9f44ac0faa05" providerId="LiveId" clId="{36A5D8F9-09E7-4869-AB0D-E6255B37476F}" dt="2020-08-13T13:15:15.877" v="114" actId="1076"/>
+          <ac:picMkLst>
+            <pc:docMk/>
+            <pc:sldMk cId="777123265" sldId="267"/>
+            <ac:picMk id="5" creationId="{BECA7DBC-5EB8-4378-8B11-947731A10F92}"/>
+          </ac:picMkLst>
+        </pc:picChg>
+        <pc:picChg chg="add mod">
+          <ac:chgData name="Richard Maasri" userId="4a4f9f44ac0faa05" providerId="LiveId" clId="{36A5D8F9-09E7-4869-AB0D-E6255B37476F}" dt="2020-08-13T13:15:21.068" v="117" actId="1076"/>
+          <ac:picMkLst>
+            <pc:docMk/>
+            <pc:sldMk cId="777123265" sldId="267"/>
+            <ac:picMk id="7" creationId="{C4B71616-C1A1-4E21-9BF1-D51405E095A6}"/>
+          </ac:picMkLst>
+        </pc:picChg>
+        <pc:picChg chg="add del">
+          <ac:chgData name="Richard Maasri" userId="4a4f9f44ac0faa05" providerId="LiveId" clId="{36A5D8F9-09E7-4869-AB0D-E6255B37476F}" dt="2020-08-13T13:15:25.901" v="119" actId="22"/>
+          <ac:picMkLst>
+            <pc:docMk/>
+            <pc:sldMk cId="777123265" sldId="267"/>
+            <ac:picMk id="9" creationId="{5B423996-D6A3-4C7F-91CB-665C2309C363}"/>
+          </ac:picMkLst>
+        </pc:picChg>
+      </pc:sldChg>
+    </pc:docChg>
+  </pc:docChgLst>
   <pc:docChgLst>
     <pc:chgData name="Richard Maasri" userId="4a4f9f44ac0faa05" providerId="LiveId" clId="{22BC212A-5DD5-4B6F-8FC5-B495C9A0A88F}"/>
     <pc:docChg chg="undo custSel addSld delSld modSld">
@@ -762,7 +894,7 @@
           <a:effectLst/>
           <a:extLst>
             <a:ext uri="{91240B29-F687-4f45-9708-019B960494DF}">
-              <a14:hiddenLine xmlns="" xmlns:a14="http://schemas.microsoft.com/office/drawing/2010/main" w="9525">
+              <a14:hiddenLine xmlns:a14="http://schemas.microsoft.com/office/drawing/2010/main" xmlns="" w="9525">
                 <a:solidFill>
                   <a:srgbClr val="000000"/>
                 </a:solidFill>
@@ -955,7 +1087,7 @@
             <a:fld id="{08B9EBBA-996F-894A-B54A-D6246ED52CEA}" type="datetimeFigureOut">
               <a:rPr lang="en-US" smtClean="0"/>
               <a:pPr/>
-              <a:t>8/12/2020</a:t>
+              <a:t>8/13/2020</a:t>
             </a:fld>
             <a:endParaRPr lang="en-US" dirty="0"/>
           </a:p>
@@ -1275,7 +1407,7 @@
             <a:fld id="{18C79C5D-2A6F-F04D-97DA-BEF2467B64E4}" type="datetimeFigureOut">
               <a:rPr lang="en-US" smtClean="0"/>
               <a:pPr/>
-              <a:t>8/12/2020</a:t>
+              <a:t>8/13/2020</a:t>
             </a:fld>
             <a:endParaRPr lang="en-US" dirty="0"/>
           </a:p>
@@ -1765,7 +1897,7 @@
             <a:fld id="{8DFA1846-DA80-1C48-A609-854EA85C59AD}" type="datetimeFigureOut">
               <a:rPr lang="en-US" smtClean="0"/>
               <a:pPr/>
-              <a:t>8/12/2020</a:t>
+              <a:t>8/13/2020</a:t>
             </a:fld>
             <a:endParaRPr lang="en-US" dirty="0"/>
           </a:p>
@@ -2136,7 +2268,7 @@
             <a:fld id="{FBF54567-0DE4-3F47-BF90-CB84690072F9}" type="datetimeFigureOut">
               <a:rPr lang="en-US" smtClean="0"/>
               <a:pPr/>
-              <a:t>8/12/2020</a:t>
+              <a:t>8/13/2020</a:t>
             </a:fld>
             <a:endParaRPr lang="en-US" dirty="0"/>
           </a:p>
@@ -2292,7 +2424,7 @@
           <a:ln/>
           <a:extLst>
             <a:ext uri="{91240B29-F687-4f45-9708-019B960494DF}">
-              <a14:hiddenLine xmlns="" xmlns:a14="http://schemas.microsoft.com/office/drawing/2010/main" w="9525">
+              <a14:hiddenLine xmlns:a14="http://schemas.microsoft.com/office/drawing/2010/main" xmlns="" w="9525">
                 <a:solidFill>
                   <a:srgbClr val="000000"/>
                 </a:solidFill>
@@ -2411,7 +2543,7 @@
             <a:fld id="{C6C52C72-DE31-F449-A4ED-4C594FD91407}" type="datetimeFigureOut">
               <a:rPr lang="en-US" smtClean="0"/>
               <a:pPr/>
-              <a:t>8/12/2020</a:t>
+              <a:t>8/13/2020</a:t>
             </a:fld>
             <a:endParaRPr lang="en-US" dirty="0"/>
           </a:p>
@@ -2569,7 +2701,7 @@
           <a:ln/>
           <a:extLst>
             <a:ext uri="{91240B29-F687-4f45-9708-019B960494DF}">
-              <a14:hiddenLine xmlns="" xmlns:a14="http://schemas.microsoft.com/office/drawing/2010/main" w="9525">
+              <a14:hiddenLine xmlns:a14="http://schemas.microsoft.com/office/drawing/2010/main" xmlns="" w="9525">
                 <a:solidFill>
                   <a:srgbClr val="000000"/>
                 </a:solidFill>
@@ -2698,7 +2830,7 @@
             <a:fld id="{ED62726E-379B-B349-9EED-81ED093FA806}" type="datetimeFigureOut">
               <a:rPr lang="en-US" smtClean="0"/>
               <a:pPr/>
-              <a:t>8/12/2020</a:t>
+              <a:t>8/13/2020</a:t>
             </a:fld>
             <a:endParaRPr lang="en-US" dirty="0"/>
           </a:p>
@@ -2854,7 +2986,7 @@
           <a:ln/>
           <a:extLst>
             <a:ext uri="{91240B29-F687-4f45-9708-019B960494DF}">
-              <a14:hiddenLine xmlns="" xmlns:a14="http://schemas.microsoft.com/office/drawing/2010/main" w="9525">
+              <a14:hiddenLine xmlns:a14="http://schemas.microsoft.com/office/drawing/2010/main" xmlns="" w="9525">
                 <a:solidFill>
                   <a:srgbClr val="000000"/>
                 </a:solidFill>
@@ -2983,7 +3115,7 @@
             <a:fld id="{9B3A1323-8D79-1946-B0D7-40001CF92E9D}" type="datetimeFigureOut">
               <a:rPr lang="en-US" smtClean="0"/>
               <a:pPr/>
-              <a:t>8/12/2020</a:t>
+              <a:t>8/13/2020</a:t>
             </a:fld>
             <a:endParaRPr lang="en-US" dirty="0"/>
           </a:p>
@@ -3328,7 +3460,7 @@
             <a:fld id="{8DFA1846-DA80-1C48-A609-854EA85C59AD}" type="datetimeFigureOut">
               <a:rPr lang="en-US" smtClean="0"/>
               <a:pPr/>
-              <a:t>8/12/2020</a:t>
+              <a:t>8/13/2020</a:t>
             </a:fld>
             <a:endParaRPr lang="en-US" dirty="0"/>
           </a:p>
@@ -3484,7 +3616,7 @@
           <a:ln/>
           <a:extLst>
             <a:ext uri="{91240B29-F687-4f45-9708-019B960494DF}">
-              <a14:hiddenLine xmlns="" xmlns:a14="http://schemas.microsoft.com/office/drawing/2010/main" w="9525">
+              <a14:hiddenLine xmlns:a14="http://schemas.microsoft.com/office/drawing/2010/main" xmlns="" w="9525">
                 <a:solidFill>
                   <a:srgbClr val="000000"/>
                 </a:solidFill>
@@ -3669,7 +3801,7 @@
             <a:fld id="{57302355-E14B-8545-A8F8-0FE83CC9D524}" type="datetimeFigureOut">
               <a:rPr lang="en-US" smtClean="0"/>
               <a:pPr/>
-              <a:t>8/12/2020</a:t>
+              <a:t>8/13/2020</a:t>
             </a:fld>
             <a:endParaRPr lang="en-US" dirty="0"/>
           </a:p>
@@ -3825,7 +3957,7 @@
           <a:ln/>
           <a:extLst>
             <a:ext uri="{91240B29-F687-4f45-9708-019B960494DF}">
-              <a14:hiddenLine xmlns="" xmlns:a14="http://schemas.microsoft.com/office/drawing/2010/main" w="9525">
+              <a14:hiddenLine xmlns:a14="http://schemas.microsoft.com/office/drawing/2010/main" xmlns="" w="9525">
                 <a:solidFill>
                   <a:srgbClr val="000000"/>
                 </a:solidFill>
@@ -4148,7 +4280,7 @@
             <a:fld id="{02640F58-564D-2B4F-AE67-E407BA4FCF45}" type="datetimeFigureOut">
               <a:rPr lang="en-US" smtClean="0"/>
               <a:pPr/>
-              <a:t>8/12/2020</a:t>
+              <a:t>8/13/2020</a:t>
             </a:fld>
             <a:endParaRPr lang="en-US" dirty="0"/>
           </a:p>
@@ -4304,7 +4436,7 @@
           <a:ln/>
           <a:extLst>
             <a:ext uri="{91240B29-F687-4f45-9708-019B960494DF}">
-              <a14:hiddenLine xmlns="" xmlns:a14="http://schemas.microsoft.com/office/drawing/2010/main" w="9525">
+              <a14:hiddenLine xmlns:a14="http://schemas.microsoft.com/office/drawing/2010/main" xmlns="" w="9525">
                 <a:solidFill>
                   <a:srgbClr val="000000"/>
                 </a:solidFill>
@@ -4371,7 +4503,7 @@
             <a:fld id="{F13A34C8-038E-2045-AF43-DF7DBB8E0E9E}" type="datetimeFigureOut">
               <a:rPr lang="en-US" smtClean="0"/>
               <a:pPr/>
-              <a:t>8/12/2020</a:t>
+              <a:t>8/13/2020</a:t>
             </a:fld>
             <a:endParaRPr lang="en-US" dirty="0"/>
           </a:p>
@@ -4468,7 +4600,7 @@
             <a:fld id="{8818C68F-D26B-8F47-958C-23B49CF8A634}" type="datetimeFigureOut">
               <a:rPr lang="en-US" smtClean="0"/>
               <a:pPr/>
-              <a:t>8/12/2020</a:t>
+              <a:t>8/13/2020</a:t>
             </a:fld>
             <a:endParaRPr lang="en-US" dirty="0"/>
           </a:p>
@@ -4737,7 +4869,7 @@
           <a:ln/>
           <a:extLst>
             <a:ext uri="{91240B29-F687-4f45-9708-019B960494DF}">
-              <a14:hiddenLine xmlns="" xmlns:a14="http://schemas.microsoft.com/office/drawing/2010/main" w="9525">
+              <a14:hiddenLine xmlns:a14="http://schemas.microsoft.com/office/drawing/2010/main" xmlns="" w="9525">
                 <a:solidFill>
                   <a:srgbClr val="000000"/>
                 </a:solidFill>
@@ -4937,7 +5069,7 @@
             <a:fld id="{D0DF5E60-9974-AC48-9591-99C2BB44B7CF}" type="datetimeFigureOut">
               <a:rPr lang="en-US" smtClean="0"/>
               <a:pPr/>
-              <a:t>8/12/2020</a:t>
+              <a:t>8/13/2020</a:t>
             </a:fld>
             <a:endParaRPr lang="en-US" dirty="0"/>
           </a:p>
@@ -5252,7 +5384,7 @@
             <a:fld id="{18C79C5D-2A6F-F04D-97DA-BEF2467B64E4}" type="datetimeFigureOut">
               <a:rPr lang="en-US" smtClean="0"/>
               <a:pPr/>
-              <a:t>8/12/2020</a:t>
+              <a:t>8/13/2020</a:t>
             </a:fld>
             <a:endParaRPr lang="en-US" dirty="0"/>
           </a:p>
@@ -5524,7 +5656,7 @@
             <a:fld id="{09B482E8-6E0E-1B4F-B1FD-C69DB9E858D9}" type="datetimeFigureOut">
               <a:rPr lang="en-US" smtClean="0"/>
               <a:pPr/>
-              <a:t>8/12/2020</a:t>
+              <a:t>8/13/2020</a:t>
             </a:fld>
             <a:endParaRPr lang="en-US" dirty="0"/>
           </a:p>
@@ -6089,6 +6221,192 @@
           <p:cNvPr id="2" name="Titel 1">
             <a:extLst>
               <a:ext uri="{FF2B5EF4-FFF2-40B4-BE49-F238E27FC236}">
+                <a16:creationId xmlns:a16="http://schemas.microsoft.com/office/drawing/2014/main" id="{551DBCAF-D0FA-4381-981E-04166F7BC403}"/>
+              </a:ext>
+            </a:extLst>
+          </p:cNvPr>
+          <p:cNvSpPr>
+            <a:spLocks noGrp="1"/>
+          </p:cNvSpPr>
+          <p:nvPr>
+            <p:ph type="title"/>
+          </p:nvPr>
+        </p:nvSpPr>
+        <p:spPr/>
+        <p:txBody>
+          <a:bodyPr/>
+          <a:lstStyle/>
+          <a:p>
+            <a:r>
+              <a:rPr lang="de-DE" dirty="0"/>
+              <a:t>Usability-Untersuchung</a:t>
+            </a:r>
+          </a:p>
+        </p:txBody>
+      </p:sp>
+      <p:sp>
+        <p:nvSpPr>
+          <p:cNvPr id="3" name="Textplatzhalter 2">
+            <a:extLst>
+              <a:ext uri="{FF2B5EF4-FFF2-40B4-BE49-F238E27FC236}">
+                <a16:creationId xmlns:a16="http://schemas.microsoft.com/office/drawing/2014/main" id="{DB9CBF44-A439-4D99-83F0-A9C44FC63EFC}"/>
+              </a:ext>
+            </a:extLst>
+          </p:cNvPr>
+          <p:cNvSpPr>
+            <a:spLocks noGrp="1"/>
+          </p:cNvSpPr>
+          <p:nvPr>
+            <p:ph type="body" idx="1"/>
+          </p:nvPr>
+        </p:nvSpPr>
+        <p:spPr>
+          <a:xfrm>
+            <a:off x="814728" y="1984927"/>
+            <a:ext cx="10567270" cy="576262"/>
+          </a:xfrm>
+        </p:spPr>
+        <p:txBody>
+          <a:bodyPr/>
+          <a:lstStyle/>
+          <a:p>
+            <a:r>
+              <a:rPr lang="de-DE" dirty="0"/>
+              <a:t>Inspiration vom berühmten Produktdesigner Dieter Rams</a:t>
+            </a:r>
+          </a:p>
+        </p:txBody>
+      </p:sp>
+      <p:sp>
+        <p:nvSpPr>
+          <p:cNvPr id="4" name="Inhaltsplatzhalter 3">
+            <a:extLst>
+              <a:ext uri="{FF2B5EF4-FFF2-40B4-BE49-F238E27FC236}">
+                <a16:creationId xmlns:a16="http://schemas.microsoft.com/office/drawing/2014/main" id="{91B3F1EE-76E2-4B48-8A4C-4FD7C6FB198F}"/>
+              </a:ext>
+            </a:extLst>
+          </p:cNvPr>
+          <p:cNvSpPr>
+            <a:spLocks noGrp="1"/>
+          </p:cNvSpPr>
+          <p:nvPr>
+            <p:ph sz="half" idx="2"/>
+          </p:nvPr>
+        </p:nvSpPr>
+        <p:spPr>
+          <a:xfrm>
+            <a:off x="2947363" y="2741855"/>
+            <a:ext cx="6297272" cy="3109913"/>
+          </a:xfrm>
+        </p:spPr>
+        <p:txBody>
+          <a:bodyPr/>
+          <a:lstStyle/>
+          <a:p>
+            <a:r>
+              <a:rPr lang="de-DE" dirty="0"/>
+              <a:t>Gutes Design ist innovativ: </a:t>
+            </a:r>
+          </a:p>
+          <a:p>
+            <a:pPr lvl="1"/>
+            <a:r>
+              <a:rPr lang="de-DE" sz="1400" dirty="0"/>
+              <a:t>Bewertung mit Slider und Farblicher </a:t>
+            </a:r>
+            <a:r>
+              <a:rPr lang="de-DE" sz="1400" dirty="0" err="1"/>
+              <a:t>erkennung</a:t>
+            </a:r>
+            <a:endParaRPr lang="de-DE" sz="1400" dirty="0"/>
+          </a:p>
+          <a:p>
+            <a:r>
+              <a:rPr lang="de-DE" dirty="0"/>
+              <a:t>Gutes Design ist ästhetisch: </a:t>
+            </a:r>
+          </a:p>
+          <a:p>
+            <a:pPr lvl="1"/>
+            <a:r>
+              <a:rPr lang="de-DE" dirty="0"/>
+              <a:t>Schönheit der Seite wurde stark </a:t>
+            </a:r>
+            <a:r>
+              <a:rPr lang="de-DE" dirty="0" err="1"/>
+              <a:t>disktutiert</a:t>
+            </a:r>
+            <a:endParaRPr lang="de-DE" dirty="0"/>
+          </a:p>
+          <a:p>
+            <a:r>
+              <a:rPr lang="de-DE" dirty="0"/>
+              <a:t>Gutes Design macht ein Produkt verständlich:</a:t>
+            </a:r>
+          </a:p>
+          <a:p>
+            <a:pPr lvl="1"/>
+            <a:r>
+              <a:rPr lang="de-DE" dirty="0"/>
+              <a:t>Eindeutige Abläufe und Arbeitsaufträge zu erkennen</a:t>
+            </a:r>
+          </a:p>
+          <a:p>
+            <a:r>
+              <a:rPr lang="de-DE" dirty="0"/>
+              <a:t>Gutes Design ist so wenig wie möglich:</a:t>
+            </a:r>
+          </a:p>
+          <a:p>
+            <a:pPr lvl="1"/>
+            <a:r>
+              <a:rPr lang="de-DE" dirty="0"/>
+              <a:t>Möglichst Schlicht gehalten</a:t>
+            </a:r>
+          </a:p>
+          <a:p>
+            <a:endParaRPr lang="de-DE" dirty="0"/>
+          </a:p>
+          <a:p>
+            <a:endParaRPr lang="de-DE" dirty="0"/>
+          </a:p>
+        </p:txBody>
+      </p:sp>
+    </p:spTree>
+    <p:extLst>
+      <p:ext uri="{BB962C8B-B14F-4D97-AF65-F5344CB8AC3E}">
+        <p14:creationId xmlns:p14="http://schemas.microsoft.com/office/powerpoint/2010/main" val="4145736559"/>
+      </p:ext>
+    </p:extLst>
+  </p:cSld>
+  <p:clrMapOvr>
+    <a:masterClrMapping/>
+  </p:clrMapOvr>
+</p:sld>
+</file>
+
+<file path=ppt/slides/slide11.xml><?xml version="1.0" encoding="utf-8"?>
+<p:sld xmlns:a="http://schemas.openxmlformats.org/drawingml/2006/main" xmlns:r="http://schemas.openxmlformats.org/officeDocument/2006/relationships" xmlns:p="http://schemas.openxmlformats.org/presentationml/2006/main">
+  <p:cSld>
+    <p:spTree>
+      <p:nvGrpSpPr>
+        <p:cNvPr id="1" name=""/>
+        <p:cNvGrpSpPr/>
+        <p:nvPr/>
+      </p:nvGrpSpPr>
+      <p:grpSpPr>
+        <a:xfrm>
+          <a:off x="0" y="0"/>
+          <a:ext cx="0" cy="0"/>
+          <a:chOff x="0" y="0"/>
+          <a:chExt cx="0" cy="0"/>
+        </a:xfrm>
+      </p:grpSpPr>
+      <p:sp>
+        <p:nvSpPr>
+          <p:cNvPr id="2" name="Titel 1">
+            <a:extLst>
+              <a:ext uri="{FF2B5EF4-FFF2-40B4-BE49-F238E27FC236}">
                 <a16:creationId xmlns:a16="http://schemas.microsoft.com/office/drawing/2014/main" id="{1122E402-5572-46A2-B5F4-1ABA0DED2551}"/>
               </a:ext>
             </a:extLst>
@@ -6210,7 +6528,7 @@
           <a:p>
             <a:r>
               <a:rPr lang="de-DE" dirty="0"/>
-              <a:t>Die Änderungen</a:t>
+              <a:t>Die Änderungen und der Ablauf</a:t>
             </a:r>
           </a:p>
           <a:p>
@@ -6684,10 +7002,10 @@
       </p:sp>
       <p:pic>
         <p:nvPicPr>
-          <p:cNvPr id="5" name="Grafik 4">
+          <p:cNvPr id="9" name="Grafik 8">
             <a:extLst>
               <a:ext uri="{FF2B5EF4-FFF2-40B4-BE49-F238E27FC236}">
-                <a16:creationId xmlns:a16="http://schemas.microsoft.com/office/drawing/2014/main" id="{815CEEAB-B68F-4699-89D3-280D7AF4D70F}"/>
+                <a16:creationId xmlns:a16="http://schemas.microsoft.com/office/drawing/2014/main" id="{D9FC32C6-B164-42B7-BECC-F5E33F5557EB}"/>
               </a:ext>
             </a:extLst>
           </p:cNvPr>
@@ -6704,20 +7022,152 @@
         </p:blipFill>
         <p:spPr>
           <a:xfrm>
-            <a:off x="830588" y="3991775"/>
-            <a:ext cx="4889933" cy="2591444"/>
+            <a:off x="6056361" y="4013672"/>
+            <a:ext cx="5287500" cy="2569548"/>
           </a:xfrm>
           <a:prstGeom prst="rect">
             <a:avLst/>
           </a:prstGeom>
         </p:spPr>
       </p:pic>
+      <p:sp>
+        <p:nvSpPr>
+          <p:cNvPr id="10" name="Textfeld 9">
+            <a:extLst>
+              <a:ext uri="{FF2B5EF4-FFF2-40B4-BE49-F238E27FC236}">
+                <a16:creationId xmlns:a16="http://schemas.microsoft.com/office/drawing/2014/main" id="{671BD105-E78C-40E0-9E1B-1635A51CFC45}"/>
+              </a:ext>
+            </a:extLst>
+          </p:cNvPr>
+          <p:cNvSpPr txBox="1"/>
+          <p:nvPr/>
+        </p:nvSpPr>
+        <p:spPr>
+          <a:xfrm>
+            <a:off x="415235" y="2438400"/>
+            <a:ext cx="4568833" cy="1200329"/>
+          </a:xfrm>
+          <a:prstGeom prst="rect">
+            <a:avLst/>
+          </a:prstGeom>
+          <a:noFill/>
+        </p:spPr>
+        <p:txBody>
+          <a:bodyPr wrap="square" rtlCol="0">
+            <a:spAutoFit/>
+          </a:bodyPr>
+          <a:lstStyle/>
+          <a:p>
+            <a:r>
+              <a:rPr lang="de-DE" dirty="0"/>
+              <a:t>Anpassungen:</a:t>
+            </a:r>
+          </a:p>
+          <a:p>
+            <a:pPr marL="285750" indent="-285750">
+              <a:buFont typeface="Arial" panose="020B0604020202020204" pitchFamily="34" charset="0"/>
+              <a:buChar char="•"/>
+            </a:pPr>
+            <a:r>
+              <a:rPr lang="de-DE" dirty="0"/>
+              <a:t>Schlichteres Aussehen</a:t>
+            </a:r>
+          </a:p>
+          <a:p>
+            <a:pPr marL="285750" indent="-285750">
+              <a:buFont typeface="Arial" panose="020B0604020202020204" pitchFamily="34" charset="0"/>
+              <a:buChar char="•"/>
+            </a:pPr>
+            <a:r>
+              <a:rPr lang="de-DE" dirty="0"/>
+              <a:t>Farben anpassen an Hochschule</a:t>
+            </a:r>
+          </a:p>
+          <a:p>
+            <a:pPr marL="285750" indent="-285750">
+              <a:buFont typeface="Arial" panose="020B0604020202020204" pitchFamily="34" charset="0"/>
+              <a:buChar char="•"/>
+            </a:pPr>
+            <a:endParaRPr lang="de-DE" dirty="0"/>
+          </a:p>
+        </p:txBody>
+      </p:sp>
+      <p:sp>
+        <p:nvSpPr>
+          <p:cNvPr id="11" name="Textfeld 10">
+            <a:extLst>
+              <a:ext uri="{FF2B5EF4-FFF2-40B4-BE49-F238E27FC236}">
+                <a16:creationId xmlns:a16="http://schemas.microsoft.com/office/drawing/2014/main" id="{2EAFABC8-B668-407D-8419-507C0B973A84}"/>
+              </a:ext>
+            </a:extLst>
+          </p:cNvPr>
+          <p:cNvSpPr txBox="1"/>
+          <p:nvPr/>
+        </p:nvSpPr>
+        <p:spPr>
+          <a:xfrm>
+            <a:off x="708399" y="3711758"/>
+            <a:ext cx="1265227" cy="369332"/>
+          </a:xfrm>
+          <a:prstGeom prst="rect">
+            <a:avLst/>
+          </a:prstGeom>
+          <a:noFill/>
+        </p:spPr>
+        <p:txBody>
+          <a:bodyPr wrap="square" rtlCol="0">
+            <a:spAutoFit/>
+          </a:bodyPr>
+          <a:lstStyle/>
+          <a:p>
+            <a:r>
+              <a:rPr lang="de-DE" dirty="0"/>
+              <a:t>Vorher:</a:t>
+            </a:r>
+          </a:p>
+        </p:txBody>
+      </p:sp>
+      <p:sp>
+        <p:nvSpPr>
+          <p:cNvPr id="13" name="Textfeld 12">
+            <a:extLst>
+              <a:ext uri="{FF2B5EF4-FFF2-40B4-BE49-F238E27FC236}">
+                <a16:creationId xmlns:a16="http://schemas.microsoft.com/office/drawing/2014/main" id="{DA535563-A77D-4E9B-8D9D-13E4BCE0EDCC}"/>
+              </a:ext>
+            </a:extLst>
+          </p:cNvPr>
+          <p:cNvSpPr txBox="1"/>
+          <p:nvPr/>
+        </p:nvSpPr>
+        <p:spPr>
+          <a:xfrm>
+            <a:off x="5950224" y="3601873"/>
+            <a:ext cx="1223736" cy="369332"/>
+          </a:xfrm>
+          <a:prstGeom prst="rect">
+            <a:avLst/>
+          </a:prstGeom>
+          <a:noFill/>
+        </p:spPr>
+        <p:txBody>
+          <a:bodyPr wrap="square" rtlCol="0">
+            <a:spAutoFit/>
+          </a:bodyPr>
+          <a:lstStyle/>
+          <a:p>
+            <a:r>
+              <a:rPr lang="de-DE" dirty="0"/>
+              <a:t>Nachher:</a:t>
+            </a:r>
+          </a:p>
+        </p:txBody>
+      </p:sp>
       <p:pic>
         <p:nvPicPr>
-          <p:cNvPr id="9" name="Grafik 8">
+          <p:cNvPr id="4" name="Grafik 3">
             <a:extLst>
               <a:ext uri="{FF2B5EF4-FFF2-40B4-BE49-F238E27FC236}">
-                <a16:creationId xmlns:a16="http://schemas.microsoft.com/office/drawing/2014/main" id="{D9FC32C6-B164-42B7-BECC-F5E33F5557EB}"/>
+                <a16:creationId xmlns:a16="http://schemas.microsoft.com/office/drawing/2014/main" id="{C6A49F1D-C8FE-40D6-9C78-F3B8EB0B2CD1}"/>
               </a:ext>
             </a:extLst>
           </p:cNvPr>
@@ -6734,146 +7184,14 @@
         </p:blipFill>
         <p:spPr>
           <a:xfrm>
-            <a:off x="6056361" y="4013672"/>
-            <a:ext cx="5287500" cy="2569548"/>
+            <a:off x="810000" y="4031953"/>
+            <a:ext cx="4465557" cy="2598439"/>
           </a:xfrm>
           <a:prstGeom prst="rect">
             <a:avLst/>
           </a:prstGeom>
         </p:spPr>
       </p:pic>
-      <p:sp>
-        <p:nvSpPr>
-          <p:cNvPr id="10" name="Textfeld 9">
-            <a:extLst>
-              <a:ext uri="{FF2B5EF4-FFF2-40B4-BE49-F238E27FC236}">
-                <a16:creationId xmlns:a16="http://schemas.microsoft.com/office/drawing/2014/main" id="{671BD105-E78C-40E0-9E1B-1635A51CFC45}"/>
-              </a:ext>
-            </a:extLst>
-          </p:cNvPr>
-          <p:cNvSpPr txBox="1"/>
-          <p:nvPr/>
-        </p:nvSpPr>
-        <p:spPr>
-          <a:xfrm>
-            <a:off x="415236" y="2438400"/>
-            <a:ext cx="3860800" cy="1200329"/>
-          </a:xfrm>
-          <a:prstGeom prst="rect">
-            <a:avLst/>
-          </a:prstGeom>
-          <a:noFill/>
-        </p:spPr>
-        <p:txBody>
-          <a:bodyPr wrap="square" rtlCol="0">
-            <a:spAutoFit/>
-          </a:bodyPr>
-          <a:lstStyle/>
-          <a:p>
-            <a:r>
-              <a:rPr lang="de-DE" dirty="0"/>
-              <a:t>Anpassungen:</a:t>
-            </a:r>
-          </a:p>
-          <a:p>
-            <a:pPr marL="285750" indent="-285750">
-              <a:buFont typeface="Arial" panose="020B0604020202020204" pitchFamily="34" charset="0"/>
-              <a:buChar char="•"/>
-            </a:pPr>
-            <a:r>
-              <a:rPr lang="de-DE" dirty="0"/>
-              <a:t>Schlichteres Aussehen</a:t>
-            </a:r>
-          </a:p>
-          <a:p>
-            <a:pPr marL="285750" indent="-285750">
-              <a:buFont typeface="Arial" panose="020B0604020202020204" pitchFamily="34" charset="0"/>
-              <a:buChar char="•"/>
-            </a:pPr>
-            <a:r>
-              <a:rPr lang="de-DE" dirty="0"/>
-              <a:t>Keine unnötigen Verzierungen</a:t>
-            </a:r>
-          </a:p>
-          <a:p>
-            <a:pPr marL="285750" indent="-285750">
-              <a:buFont typeface="Arial" panose="020B0604020202020204" pitchFamily="34" charset="0"/>
-              <a:buChar char="•"/>
-            </a:pPr>
-            <a:endParaRPr lang="de-DE" dirty="0"/>
-          </a:p>
-        </p:txBody>
-      </p:sp>
-      <p:sp>
-        <p:nvSpPr>
-          <p:cNvPr id="11" name="Textfeld 10">
-            <a:extLst>
-              <a:ext uri="{FF2B5EF4-FFF2-40B4-BE49-F238E27FC236}">
-                <a16:creationId xmlns:a16="http://schemas.microsoft.com/office/drawing/2014/main" id="{2EAFABC8-B668-407D-8419-507C0B973A84}"/>
-              </a:ext>
-            </a:extLst>
-          </p:cNvPr>
-          <p:cNvSpPr txBox="1"/>
-          <p:nvPr/>
-        </p:nvSpPr>
-        <p:spPr>
-          <a:xfrm>
-            <a:off x="755492" y="3601873"/>
-            <a:ext cx="1265227" cy="369332"/>
-          </a:xfrm>
-          <a:prstGeom prst="rect">
-            <a:avLst/>
-          </a:prstGeom>
-          <a:noFill/>
-        </p:spPr>
-        <p:txBody>
-          <a:bodyPr wrap="square" rtlCol="0">
-            <a:spAutoFit/>
-          </a:bodyPr>
-          <a:lstStyle/>
-          <a:p>
-            <a:r>
-              <a:rPr lang="de-DE" dirty="0"/>
-              <a:t>Vorher:</a:t>
-            </a:r>
-          </a:p>
-        </p:txBody>
-      </p:sp>
-      <p:sp>
-        <p:nvSpPr>
-          <p:cNvPr id="13" name="Textfeld 12">
-            <a:extLst>
-              <a:ext uri="{FF2B5EF4-FFF2-40B4-BE49-F238E27FC236}">
-                <a16:creationId xmlns:a16="http://schemas.microsoft.com/office/drawing/2014/main" id="{DA535563-A77D-4E9B-8D9D-13E4BCE0EDCC}"/>
-              </a:ext>
-            </a:extLst>
-          </p:cNvPr>
-          <p:cNvSpPr txBox="1"/>
-          <p:nvPr/>
-        </p:nvSpPr>
-        <p:spPr>
-          <a:xfrm>
-            <a:off x="5950224" y="3601873"/>
-            <a:ext cx="1223736" cy="369332"/>
-          </a:xfrm>
-          <a:prstGeom prst="rect">
-            <a:avLst/>
-          </a:prstGeom>
-          <a:noFill/>
-        </p:spPr>
-        <p:txBody>
-          <a:bodyPr wrap="square" rtlCol="0">
-            <a:spAutoFit/>
-          </a:bodyPr>
-          <a:lstStyle/>
-          <a:p>
-            <a:r>
-              <a:rPr lang="de-DE" dirty="0"/>
-              <a:t>Nachher:</a:t>
-            </a:r>
-          </a:p>
-        </p:txBody>
-      </p:sp>
     </p:spTree>
     <p:extLst>
       <p:ext uri="{BB962C8B-B14F-4D97-AF65-F5344CB8AC3E}">
@@ -8021,7 +8339,7 @@
           <p:cNvPr id="2" name="Titel 1">
             <a:extLst>
               <a:ext uri="{FF2B5EF4-FFF2-40B4-BE49-F238E27FC236}">
-                <a16:creationId xmlns:a16="http://schemas.microsoft.com/office/drawing/2014/main" id="{551DBCAF-D0FA-4381-981E-04166F7BC403}"/>
+                <a16:creationId xmlns:a16="http://schemas.microsoft.com/office/drawing/2014/main" id="{C3C2C53C-8824-43C9-9ECB-E6A0EA0FEBF2}"/>
               </a:ext>
             </a:extLst>
           </p:cNvPr>
@@ -8039,143 +8357,144 @@
           <a:p>
             <a:r>
               <a:rPr lang="de-DE" dirty="0"/>
-              <a:t>Usability-Untersuchung</a:t>
-            </a:r>
-          </a:p>
-        </p:txBody>
-      </p:sp>
-      <p:sp>
-        <p:nvSpPr>
-          <p:cNvPr id="3" name="Textplatzhalter 2">
+              <a:t>Ergebnisse des Professors</a:t>
+            </a:r>
+          </a:p>
+        </p:txBody>
+      </p:sp>
+      <p:pic>
+        <p:nvPicPr>
+          <p:cNvPr id="5" name="Inhaltsplatzhalter 4">
             <a:extLst>
               <a:ext uri="{FF2B5EF4-FFF2-40B4-BE49-F238E27FC236}">
-                <a16:creationId xmlns:a16="http://schemas.microsoft.com/office/drawing/2014/main" id="{DB9CBF44-A439-4D99-83F0-A9C44FC63EFC}"/>
+                <a16:creationId xmlns:a16="http://schemas.microsoft.com/office/drawing/2014/main" id="{BECA7DBC-5EB8-4378-8B11-947731A10F92}"/>
               </a:ext>
             </a:extLst>
           </p:cNvPr>
-          <p:cNvSpPr>
-            <a:spLocks noGrp="1"/>
-          </p:cNvSpPr>
-          <p:nvPr>
-            <p:ph type="body" idx="1"/>
-          </p:nvPr>
-        </p:nvSpPr>
+          <p:cNvPicPr>
+            <a:picLocks noGrp="1" noChangeAspect="1"/>
+          </p:cNvPicPr>
+          <p:nvPr>
+            <p:ph idx="1"/>
+          </p:nvPr>
+        </p:nvPicPr>
+        <p:blipFill>
+          <a:blip r:embed="rId2"/>
+          <a:stretch>
+            <a:fillRect/>
+          </a:stretch>
+        </p:blipFill>
         <p:spPr>
           <a:xfrm>
-            <a:off x="814728" y="1984927"/>
-            <a:ext cx="10567270" cy="576262"/>
-          </a:xfrm>
-        </p:spPr>
-        <p:txBody>
-          <a:bodyPr/>
-          <a:lstStyle/>
-          <a:p>
-            <a:r>
-              <a:rPr lang="de-DE" dirty="0"/>
-              <a:t>Inspiration vom berühmten Produktdesigner Dieter Rams</a:t>
-            </a:r>
-          </a:p>
-        </p:txBody>
-      </p:sp>
-      <p:sp>
-        <p:nvSpPr>
-          <p:cNvPr id="4" name="Inhaltsplatzhalter 3">
+            <a:off x="5823563" y="2828833"/>
+            <a:ext cx="6200993" cy="3468480"/>
+          </a:xfrm>
+        </p:spPr>
+      </p:pic>
+      <p:pic>
+        <p:nvPicPr>
+          <p:cNvPr id="7" name="Grafik 6">
             <a:extLst>
               <a:ext uri="{FF2B5EF4-FFF2-40B4-BE49-F238E27FC236}">
-                <a16:creationId xmlns:a16="http://schemas.microsoft.com/office/drawing/2014/main" id="{91B3F1EE-76E2-4B48-8A4C-4FD7C6FB198F}"/>
+                <a16:creationId xmlns:a16="http://schemas.microsoft.com/office/drawing/2014/main" id="{C4B71616-C1A1-4E21-9BF1-D51405E095A6}"/>
               </a:ext>
             </a:extLst>
           </p:cNvPr>
-          <p:cNvSpPr>
-            <a:spLocks noGrp="1"/>
-          </p:cNvSpPr>
-          <p:nvPr>
-            <p:ph sz="half" idx="2"/>
-          </p:nvPr>
-        </p:nvSpPr>
+          <p:cNvPicPr>
+            <a:picLocks noChangeAspect="1"/>
+          </p:cNvPicPr>
+          <p:nvPr/>
+        </p:nvPicPr>
+        <p:blipFill>
+          <a:blip r:embed="rId3"/>
+          <a:stretch>
+            <a:fillRect/>
+          </a:stretch>
+        </p:blipFill>
         <p:spPr>
           <a:xfrm>
-            <a:off x="2947363" y="2741855"/>
-            <a:ext cx="6297272" cy="3109913"/>
-          </a:xfrm>
-        </p:spPr>
-        <p:txBody>
-          <a:bodyPr/>
+            <a:off x="238831" y="3302290"/>
+            <a:ext cx="5361379" cy="3017440"/>
+          </a:xfrm>
+          <a:prstGeom prst="rect">
+            <a:avLst/>
+          </a:prstGeom>
+        </p:spPr>
+      </p:pic>
+      <p:sp>
+        <p:nvSpPr>
+          <p:cNvPr id="11" name="Textfeld 10">
+            <a:extLst>
+              <a:ext uri="{FF2B5EF4-FFF2-40B4-BE49-F238E27FC236}">
+                <a16:creationId xmlns:a16="http://schemas.microsoft.com/office/drawing/2014/main" id="{D4BB37B7-34CF-48F1-9BDF-CB2CAADA8E57}"/>
+              </a:ext>
+            </a:extLst>
+          </p:cNvPr>
+          <p:cNvSpPr txBox="1"/>
+          <p:nvPr/>
+        </p:nvSpPr>
+        <p:spPr>
+          <a:xfrm>
+            <a:off x="200148" y="2932958"/>
+            <a:ext cx="1462157" cy="369332"/>
+          </a:xfrm>
+          <a:prstGeom prst="rect">
+            <a:avLst/>
+          </a:prstGeom>
+          <a:noFill/>
+        </p:spPr>
+        <p:txBody>
+          <a:bodyPr wrap="square" rtlCol="0">
+            <a:spAutoFit/>
+          </a:bodyPr>
           <a:lstStyle/>
           <a:p>
             <a:r>
               <a:rPr lang="de-DE" dirty="0"/>
-              <a:t>Gutes Design ist innovativ: </a:t>
-            </a:r>
-          </a:p>
-          <a:p>
-            <a:pPr lvl="1"/>
-            <a:r>
-              <a:rPr lang="de-DE" sz="1400" dirty="0"/>
-              <a:t>Bewertung mit Slider und Farblicher </a:t>
-            </a:r>
-            <a:r>
-              <a:rPr lang="de-DE" sz="1400" dirty="0" err="1"/>
-              <a:t>erkennung</a:t>
-            </a:r>
-            <a:endParaRPr lang="de-DE" sz="1400" dirty="0"/>
-          </a:p>
+              <a:t>Vorher:</a:t>
+            </a:r>
+          </a:p>
+        </p:txBody>
+      </p:sp>
+      <p:sp>
+        <p:nvSpPr>
+          <p:cNvPr id="13" name="Textfeld 12">
+            <a:extLst>
+              <a:ext uri="{FF2B5EF4-FFF2-40B4-BE49-F238E27FC236}">
+                <a16:creationId xmlns:a16="http://schemas.microsoft.com/office/drawing/2014/main" id="{B8457B90-9B84-4E36-BAC7-8DCC6FE15614}"/>
+              </a:ext>
+            </a:extLst>
+          </p:cNvPr>
+          <p:cNvSpPr txBox="1"/>
+          <p:nvPr/>
+        </p:nvSpPr>
+        <p:spPr>
+          <a:xfrm>
+            <a:off x="5739097" y="2459501"/>
+            <a:ext cx="1462157" cy="369332"/>
+          </a:xfrm>
+          <a:prstGeom prst="rect">
+            <a:avLst/>
+          </a:prstGeom>
+          <a:noFill/>
+        </p:spPr>
+        <p:txBody>
+          <a:bodyPr wrap="square" rtlCol="0">
+            <a:spAutoFit/>
+          </a:bodyPr>
+          <a:lstStyle/>
           <a:p>
             <a:r>
               <a:rPr lang="de-DE" dirty="0"/>
-              <a:t>Gutes Design ist ästhetisch: </a:t>
-            </a:r>
-          </a:p>
-          <a:p>
-            <a:pPr lvl="1"/>
-            <a:r>
-              <a:rPr lang="de-DE" dirty="0"/>
-              <a:t>Schönheit der Seite wurde stark </a:t>
-            </a:r>
-            <a:r>
-              <a:rPr lang="de-DE" dirty="0" err="1"/>
-              <a:t>disktutiert</a:t>
-            </a:r>
-            <a:endParaRPr lang="de-DE" dirty="0"/>
-          </a:p>
-          <a:p>
-            <a:r>
-              <a:rPr lang="de-DE" dirty="0"/>
-              <a:t>Gutes Design macht ein Produkt verständlich:</a:t>
-            </a:r>
-          </a:p>
-          <a:p>
-            <a:pPr lvl="1"/>
-            <a:r>
-              <a:rPr lang="de-DE" dirty="0"/>
-              <a:t>Eindeutige Abläufe und Arbeitsaufträge zu erkennen</a:t>
-            </a:r>
-          </a:p>
-          <a:p>
-            <a:r>
-              <a:rPr lang="de-DE" dirty="0"/>
-              <a:t>Gutes Design ist so wenig wie möglich:</a:t>
-            </a:r>
-          </a:p>
-          <a:p>
-            <a:pPr lvl="1"/>
-            <a:r>
-              <a:rPr lang="de-DE" dirty="0"/>
-              <a:t>Möglichst Schlicht gehalten</a:t>
-            </a:r>
-          </a:p>
-          <a:p>
-            <a:endParaRPr lang="de-DE" dirty="0"/>
-          </a:p>
-          <a:p>
-            <a:endParaRPr lang="de-DE" dirty="0"/>
+              <a:t>Nachher:</a:t>
+            </a:r>
           </a:p>
         </p:txBody>
       </p:sp>
     </p:spTree>
     <p:extLst>
       <p:ext uri="{BB962C8B-B14F-4D97-AF65-F5344CB8AC3E}">
-        <p14:creationId xmlns:p14="http://schemas.microsoft.com/office/powerpoint/2010/main" val="4145736559"/>
+        <p14:creationId xmlns:p14="http://schemas.microsoft.com/office/powerpoint/2010/main" val="777123265"/>
       </p:ext>
     </p:extLst>
   </p:cSld>

--- a/Rate your Prof.pptx
+++ b/Rate your Prof.pptx
@@ -139,16 +139,24 @@
   <pc:docChgLst>
     <pc:chgData name="Richard Maasri" userId="4a4f9f44ac0faa05" providerId="LiveId" clId="{36A5D8F9-09E7-4869-AB0D-E6255B37476F}"/>
     <pc:docChg chg="undo custSel addSld modSld">
-      <pc:chgData name="Richard Maasri" userId="4a4f9f44ac0faa05" providerId="LiveId" clId="{36A5D8F9-09E7-4869-AB0D-E6255B37476F}" dt="2020-08-13T13:16:54.741" v="172" actId="1076"/>
+      <pc:chgData name="Richard Maasri" userId="4a4f9f44ac0faa05" providerId="LiveId" clId="{36A5D8F9-09E7-4869-AB0D-E6255B37476F}" dt="2020-08-13T13:52:38.956" v="191" actId="20577"/>
       <pc:docMkLst>
         <pc:docMk/>
       </pc:docMkLst>
       <pc:sldChg chg="modSp mod">
-        <pc:chgData name="Richard Maasri" userId="4a4f9f44ac0faa05" providerId="LiveId" clId="{36A5D8F9-09E7-4869-AB0D-E6255B37476F}" dt="2020-08-13T13:10:25.565" v="48" actId="20577"/>
+        <pc:chgData name="Richard Maasri" userId="4a4f9f44ac0faa05" providerId="LiveId" clId="{36A5D8F9-09E7-4869-AB0D-E6255B37476F}" dt="2020-08-13T13:52:38.956" v="191" actId="20577"/>
         <pc:sldMkLst>
           <pc:docMk/>
           <pc:sldMk cId="8293258" sldId="257"/>
         </pc:sldMkLst>
+        <pc:spChg chg="mod">
+          <ac:chgData name="Richard Maasri" userId="4a4f9f44ac0faa05" providerId="LiveId" clId="{36A5D8F9-09E7-4869-AB0D-E6255B37476F}" dt="2020-08-13T13:52:38.956" v="191" actId="20577"/>
+          <ac:spMkLst>
+            <pc:docMk/>
+            <pc:sldMk cId="8293258" sldId="257"/>
+            <ac:spMk id="2" creationId="{6CC180F0-7867-4ED3-9167-4645ECBE0B2B}"/>
+          </ac:spMkLst>
+        </pc:spChg>
         <pc:spChg chg="mod">
           <ac:chgData name="Richard Maasri" userId="4a4f9f44ac0faa05" providerId="LiveId" clId="{36A5D8F9-09E7-4869-AB0D-E6255B37476F}" dt="2020-08-13T13:10:25.565" v="48" actId="20577"/>
           <ac:spMkLst>
@@ -894,7 +902,7 @@
           <a:effectLst/>
           <a:extLst>
             <a:ext uri="{91240B29-F687-4f45-9708-019B960494DF}">
-              <a14:hiddenLine xmlns:a14="http://schemas.microsoft.com/office/drawing/2010/main" xmlns="" w="9525">
+              <a14:hiddenLine xmlns="" xmlns:a14="http://schemas.microsoft.com/office/drawing/2010/main" w="9525">
                 <a:solidFill>
                   <a:srgbClr val="000000"/>
                 </a:solidFill>
@@ -2424,7 +2432,7 @@
           <a:ln/>
           <a:extLst>
             <a:ext uri="{91240B29-F687-4f45-9708-019B960494DF}">
-              <a14:hiddenLine xmlns:a14="http://schemas.microsoft.com/office/drawing/2010/main" xmlns="" w="9525">
+              <a14:hiddenLine xmlns="" xmlns:a14="http://schemas.microsoft.com/office/drawing/2010/main" w="9525">
                 <a:solidFill>
                   <a:srgbClr val="000000"/>
                 </a:solidFill>
@@ -2701,7 +2709,7 @@
           <a:ln/>
           <a:extLst>
             <a:ext uri="{91240B29-F687-4f45-9708-019B960494DF}">
-              <a14:hiddenLine xmlns:a14="http://schemas.microsoft.com/office/drawing/2010/main" xmlns="" w="9525">
+              <a14:hiddenLine xmlns="" xmlns:a14="http://schemas.microsoft.com/office/drawing/2010/main" w="9525">
                 <a:solidFill>
                   <a:srgbClr val="000000"/>
                 </a:solidFill>
@@ -2986,7 +2994,7 @@
           <a:ln/>
           <a:extLst>
             <a:ext uri="{91240B29-F687-4f45-9708-019B960494DF}">
-              <a14:hiddenLine xmlns:a14="http://schemas.microsoft.com/office/drawing/2010/main" xmlns="" w="9525">
+              <a14:hiddenLine xmlns="" xmlns:a14="http://schemas.microsoft.com/office/drawing/2010/main" w="9525">
                 <a:solidFill>
                   <a:srgbClr val="000000"/>
                 </a:solidFill>
@@ -3616,7 +3624,7 @@
           <a:ln/>
           <a:extLst>
             <a:ext uri="{91240B29-F687-4f45-9708-019B960494DF}">
-              <a14:hiddenLine xmlns:a14="http://schemas.microsoft.com/office/drawing/2010/main" xmlns="" w="9525">
+              <a14:hiddenLine xmlns="" xmlns:a14="http://schemas.microsoft.com/office/drawing/2010/main" w="9525">
                 <a:solidFill>
                   <a:srgbClr val="000000"/>
                 </a:solidFill>
@@ -3957,7 +3965,7 @@
           <a:ln/>
           <a:extLst>
             <a:ext uri="{91240B29-F687-4f45-9708-019B960494DF}">
-              <a14:hiddenLine xmlns:a14="http://schemas.microsoft.com/office/drawing/2010/main" xmlns="" w="9525">
+              <a14:hiddenLine xmlns="" xmlns:a14="http://schemas.microsoft.com/office/drawing/2010/main" w="9525">
                 <a:solidFill>
                   <a:srgbClr val="000000"/>
                 </a:solidFill>
@@ -4436,7 +4444,7 @@
           <a:ln/>
           <a:extLst>
             <a:ext uri="{91240B29-F687-4f45-9708-019B960494DF}">
-              <a14:hiddenLine xmlns:a14="http://schemas.microsoft.com/office/drawing/2010/main" xmlns="" w="9525">
+              <a14:hiddenLine xmlns="" xmlns:a14="http://schemas.microsoft.com/office/drawing/2010/main" w="9525">
                 <a:solidFill>
                   <a:srgbClr val="000000"/>
                 </a:solidFill>
@@ -4869,7 +4877,7 @@
           <a:ln/>
           <a:extLst>
             <a:ext uri="{91240B29-F687-4f45-9708-019B960494DF}">
-              <a14:hiddenLine xmlns:a14="http://schemas.microsoft.com/office/drawing/2010/main" xmlns="" w="9525">
+              <a14:hiddenLine xmlns="" xmlns:a14="http://schemas.microsoft.com/office/drawing/2010/main" w="9525">
                 <a:solidFill>
                   <a:srgbClr val="000000"/>
                 </a:solidFill>
@@ -6488,7 +6496,7 @@
           <a:p>
             <a:r>
               <a:rPr lang="de-DE" dirty="0"/>
-              <a:t>Inhaltsangabe</a:t>
+              <a:t>Inhaltsverzeichnis</a:t>
             </a:r>
           </a:p>
         </p:txBody>
